--- a/word/ChatGPT.pptx
+++ b/word/ChatGPT.pptx
@@ -104,6 +104,11 @@
       </a:defRPr>
     </a:lvl9pPr>
   </p:defaultTextStyle>
+  <p:extLst>
+    <p:ext uri="{EFAFB233-063F-42B5-8137-9DF3F51BA10A}">
+      <p15:sldGuideLst xmlns:p15="http://schemas.microsoft.com/office/powerpoint/2012/main"/>
+    </p:ext>
+  </p:extLst>
 </p:presentation>
 </file>
 
@@ -254,7 +259,7 @@
           <a:p>
             <a:fld id="{97678183-35AB-4AA0-B1CE-BD026AA365CE}" type="datetimeFigureOut">
               <a:rPr lang="zh-CN" altLang="en-US" smtClean="0"/>
-              <a:t>2024/6/1</a:t>
+              <a:t>2024/6/6</a:t>
             </a:fld>
             <a:endParaRPr lang="zh-CN" altLang="en-US"/>
           </a:p>
@@ -452,7 +457,7 @@
           <a:p>
             <a:fld id="{97678183-35AB-4AA0-B1CE-BD026AA365CE}" type="datetimeFigureOut">
               <a:rPr lang="zh-CN" altLang="en-US" smtClean="0"/>
-              <a:t>2024/6/1</a:t>
+              <a:t>2024/6/6</a:t>
             </a:fld>
             <a:endParaRPr lang="zh-CN" altLang="en-US"/>
           </a:p>
@@ -660,7 +665,7 @@
           <a:p>
             <a:fld id="{97678183-35AB-4AA0-B1CE-BD026AA365CE}" type="datetimeFigureOut">
               <a:rPr lang="zh-CN" altLang="en-US" smtClean="0"/>
-              <a:t>2024/6/1</a:t>
+              <a:t>2024/6/6</a:t>
             </a:fld>
             <a:endParaRPr lang="zh-CN" altLang="en-US"/>
           </a:p>
@@ -858,7 +863,7 @@
           <a:p>
             <a:fld id="{97678183-35AB-4AA0-B1CE-BD026AA365CE}" type="datetimeFigureOut">
               <a:rPr lang="zh-CN" altLang="en-US" smtClean="0"/>
-              <a:t>2024/6/1</a:t>
+              <a:t>2024/6/6</a:t>
             </a:fld>
             <a:endParaRPr lang="zh-CN" altLang="en-US"/>
           </a:p>
@@ -1133,7 +1138,7 @@
           <a:p>
             <a:fld id="{97678183-35AB-4AA0-B1CE-BD026AA365CE}" type="datetimeFigureOut">
               <a:rPr lang="zh-CN" altLang="en-US" smtClean="0"/>
-              <a:t>2024/6/1</a:t>
+              <a:t>2024/6/6</a:t>
             </a:fld>
             <a:endParaRPr lang="zh-CN" altLang="en-US"/>
           </a:p>
@@ -1398,7 +1403,7 @@
           <a:p>
             <a:fld id="{97678183-35AB-4AA0-B1CE-BD026AA365CE}" type="datetimeFigureOut">
               <a:rPr lang="zh-CN" altLang="en-US" smtClean="0"/>
-              <a:t>2024/6/1</a:t>
+              <a:t>2024/6/6</a:t>
             </a:fld>
             <a:endParaRPr lang="zh-CN" altLang="en-US"/>
           </a:p>
@@ -1810,7 +1815,7 @@
           <a:p>
             <a:fld id="{97678183-35AB-4AA0-B1CE-BD026AA365CE}" type="datetimeFigureOut">
               <a:rPr lang="zh-CN" altLang="en-US" smtClean="0"/>
-              <a:t>2024/6/1</a:t>
+              <a:t>2024/6/6</a:t>
             </a:fld>
             <a:endParaRPr lang="zh-CN" altLang="en-US"/>
           </a:p>
@@ -1951,7 +1956,7 @@
           <a:p>
             <a:fld id="{97678183-35AB-4AA0-B1CE-BD026AA365CE}" type="datetimeFigureOut">
               <a:rPr lang="zh-CN" altLang="en-US" smtClean="0"/>
-              <a:t>2024/6/1</a:t>
+              <a:t>2024/6/6</a:t>
             </a:fld>
             <a:endParaRPr lang="zh-CN" altLang="en-US"/>
           </a:p>
@@ -2064,7 +2069,7 @@
           <a:p>
             <a:fld id="{97678183-35AB-4AA0-B1CE-BD026AA365CE}" type="datetimeFigureOut">
               <a:rPr lang="zh-CN" altLang="en-US" smtClean="0"/>
-              <a:t>2024/6/1</a:t>
+              <a:t>2024/6/6</a:t>
             </a:fld>
             <a:endParaRPr lang="zh-CN" altLang="en-US"/>
           </a:p>
@@ -2375,7 +2380,7 @@
           <a:p>
             <a:fld id="{97678183-35AB-4AA0-B1CE-BD026AA365CE}" type="datetimeFigureOut">
               <a:rPr lang="zh-CN" altLang="en-US" smtClean="0"/>
-              <a:t>2024/6/1</a:t>
+              <a:t>2024/6/6</a:t>
             </a:fld>
             <a:endParaRPr lang="zh-CN" altLang="en-US"/>
           </a:p>
@@ -2663,7 +2668,7 @@
           <a:p>
             <a:fld id="{97678183-35AB-4AA0-B1CE-BD026AA365CE}" type="datetimeFigureOut">
               <a:rPr lang="zh-CN" altLang="en-US" smtClean="0"/>
-              <a:t>2024/6/1</a:t>
+              <a:t>2024/6/6</a:t>
             </a:fld>
             <a:endParaRPr lang="zh-CN" altLang="en-US"/>
           </a:p>
@@ -2904,7 +2909,7 @@
           <a:p>
             <a:fld id="{97678183-35AB-4AA0-B1CE-BD026AA365CE}" type="datetimeFigureOut">
               <a:rPr lang="zh-CN" altLang="en-US" smtClean="0"/>
-              <a:t>2024/6/1</a:t>
+              <a:t>2024/6/6</a:t>
             </a:fld>
             <a:endParaRPr lang="zh-CN" altLang="en-US"/>
           </a:p>
@@ -3525,11 +3530,7 @@
           <a:p>
             <a:r>
               <a:rPr lang="en-US" altLang="zh-CN" sz="1400" b="1" dirty="0"/>
-              <a:t>(a) Step 1:Domain Vocabulary </a:t>
-            </a:r>
-            <a:r>
-              <a:rPr lang="en-US" altLang="zh-CN" sz="1400" b="1" dirty="0" err="1"/>
-              <a:t>Contruction</a:t>
+              <a:t>(a) Step 1:Domain Vocabulary Construction</a:t>
             </a:r>
             <a:endParaRPr lang="zh-CN" altLang="en-US" sz="1400" b="1" dirty="0"/>
           </a:p>
@@ -3876,15 +3877,7 @@
                   <a:schemeClr val="tx1"/>
                 </a:solidFill>
               </a:rPr>
-              <a:t>Initial </a:t>
-            </a:r>
-            <a:r>
-              <a:rPr lang="en-US" altLang="zh-CN" sz="1100" b="1" dirty="0" err="1">
-                <a:solidFill>
-                  <a:schemeClr val="tx1"/>
-                </a:solidFill>
-              </a:rPr>
-              <a:t>Vocabuary</a:t>
+              <a:t>Initial Vocabulary</a:t>
             </a:r>
             <a:endParaRPr lang="zh-CN" altLang="en-US" sz="1100" b="1" dirty="0">
               <a:solidFill>
@@ -4216,20 +4209,12 @@
           <a:p>
             <a:pPr algn="ctr"/>
             <a:r>
-              <a:rPr lang="en-US" altLang="zh-CN" sz="1100" b="1" dirty="0">
+              <a:rPr lang="en-US" altLang="zh-CN" sz="1100" b="1">
                 <a:solidFill>
                   <a:schemeClr val="tx1"/>
                 </a:solidFill>
               </a:rPr>
-              <a:t>Terminate </a:t>
-            </a:r>
-            <a:r>
-              <a:rPr lang="en-US" altLang="zh-CN" sz="1100" b="1" dirty="0" err="1">
-                <a:solidFill>
-                  <a:schemeClr val="tx1"/>
-                </a:solidFill>
-              </a:rPr>
-              <a:t>Vocabuary</a:t>
+              <a:t>Terminate Vocabulary</a:t>
             </a:r>
             <a:endParaRPr lang="zh-CN" altLang="en-US" sz="1100" b="1" dirty="0">
               <a:solidFill>
@@ -4961,7 +4946,7 @@
         </p:nvSpPr>
         <p:spPr>
           <a:xfrm>
-            <a:off x="5270933" y="4493622"/>
+            <a:off x="5390090" y="4520887"/>
             <a:ext cx="3956194" cy="307777"/>
           </a:xfrm>
           <a:prstGeom prst="rect">
@@ -4977,11 +4962,7 @@
           <a:p>
             <a:r>
               <a:rPr lang="en-US" altLang="zh-CN" sz="1400" b="1" dirty="0"/>
-              <a:t>(b) Step 2:Initial Classification </a:t>
-            </a:r>
-            <a:r>
-              <a:rPr lang="en-US" altLang="zh-CN" sz="1400" b="1" dirty="0" err="1"/>
-              <a:t>Contruction</a:t>
+              <a:t>(b) Step 2:Initial Classification Construction</a:t>
             </a:r>
             <a:endParaRPr lang="zh-CN" altLang="en-US" sz="1400" b="1" dirty="0"/>
           </a:p>
@@ -5151,7 +5132,7 @@
                   <a:schemeClr val="tx1"/>
                 </a:solidFill>
               </a:rPr>
-              <a:t>Integration Category</a:t>
+              <a:t>Category Consolidation</a:t>
             </a:r>
             <a:endParaRPr lang="zh-CN" altLang="en-US" sz="1100" b="1" dirty="0">
               <a:solidFill>
@@ -5749,11 +5730,7 @@
           <a:p>
             <a:r>
               <a:rPr lang="en-US" altLang="zh-CN" sz="1400" b="1" dirty="0"/>
-              <a:t>(c) Step 3:Terminate Construction </a:t>
-            </a:r>
-            <a:r>
-              <a:rPr lang="en-US" altLang="zh-CN" sz="1400" b="1" dirty="0" err="1"/>
-              <a:t>Contruction</a:t>
+              <a:t>(c) Step 3:Terminate Classification Construction</a:t>
             </a:r>
             <a:endParaRPr lang="zh-CN" altLang="en-US" sz="1400" b="1" dirty="0"/>
           </a:p>
